--- a/Slides/Lecture08a - The Gilded Rose.pptx
+++ b/Slides/Lecture08a - The Gilded Rose.pptx
@@ -276,7 +276,7 @@
               <a:rPr lang="en-US" smtClean="0">
                 <a:latin typeface="Segoe UI" pitchFamily="34" charset="0"/>
               </a:rPr>
-              <a:t>10/25/2020 10:26 PM</a:t>
+              <a:t>10/28/2020 10:03 AM</a:t>
             </a:fld>
             <a:endParaRPr lang="en-US" dirty="0">
               <a:latin typeface="Segoe UI" pitchFamily="34" charset="0"/>
@@ -554,7 +554,7 @@
           <a:p>
             <a:fld id="{386CE63F-9E7F-4C04-9D0D-FCA25A8E9E86}" type="datetime8">
               <a:rPr lang="en-US" smtClean="0"/>
-              <a:t>10/25/2020 10:18 PM</a:t>
+              <a:t>10/28/2020 10:03 AM</a:t>
             </a:fld>
             <a:endParaRPr lang="en-US" dirty="0"/>
           </a:p>
@@ -921,7 +921,7 @@
           <a:p>
             <a:fld id="{321E5A7B-BB8D-4368-A182-109669521632}" type="datetime8">
               <a:rPr lang="en-US" smtClean="0"/>
-              <a:t>10/25/2020 10:18 PM</a:t>
+              <a:t>10/28/2020 10:03 AM</a:t>
             </a:fld>
             <a:endParaRPr lang="en-US" dirty="0"/>
           </a:p>
@@ -19893,7 +19893,12 @@
             <p:ph type="body" sz="quarter" idx="10"/>
           </p:nvPr>
         </p:nvSpPr>
-        <p:spPr/>
+        <p:spPr>
+          <a:xfrm>
+            <a:off x="586390" y="1434370"/>
+            <a:ext cx="11018520" cy="4744376"/>
+          </a:xfrm>
+        </p:spPr>
         <p:txBody>
           <a:bodyPr/>
           <a:lstStyle/>
@@ -19955,15 +19960,15 @@
             </a:pPr>
             <a:r>
               <a:rPr lang="en-US" dirty="0"/>
-              <a:t>The original </a:t>
-            </a:r>
-            <a:r>
-              <a:rPr lang="en-US" dirty="0" err="1"/>
-              <a:t>Guilded</a:t>
-            </a:r>
-            <a:r>
-              <a:rPr lang="en-US" dirty="0"/>
-              <a:t> Rose by Terry Hughes and Bobby Johnson: </a:t>
+              <a:t>The </a:t>
+            </a:r>
+            <a:r>
+              <a:rPr lang="en-US"/>
+              <a:t>original Gilded </a:t>
+            </a:r>
+            <a:r>
+              <a:rPr lang="en-US" dirty="0"/>
+              <a:t>Rose by Terry Hughes and Bobby Johnson: </a:t>
             </a:r>
             <a:r>
               <a:rPr lang="en-US" dirty="0">
@@ -20073,7 +20078,12 @@
             <p:ph type="body" sz="quarter" idx="10"/>
           </p:nvPr>
         </p:nvSpPr>
-        <p:spPr/>
+        <p:spPr>
+          <a:xfrm>
+            <a:off x="586390" y="1434370"/>
+            <a:ext cx="11018520" cy="2499146"/>
+          </a:xfrm>
+        </p:spPr>
         <p:txBody>
           <a:bodyPr/>
           <a:lstStyle/>
@@ -20086,7 +20096,7 @@
           <a:p>
             <a:r>
               <a:rPr lang="en-US" dirty="0"/>
-              <a:t>Gilded Rose</a:t>
+              <a:t>The Gilded Rose</a:t>
             </a:r>
           </a:p>
           <a:p>
@@ -20894,13 +20904,13 @@
   <p:clrMapOvr>
     <a:masterClrMapping/>
   </p:clrMapOvr>
-  <mc:AlternateContent xmlns:mc="http://schemas.openxmlformats.org/markup-compatibility/2006">
-    <mc:Choice xmlns:p14="http://schemas.microsoft.com/office/powerpoint/2010/main" Requires="p14">
+  <mc:AlternateContent xmlns:mc="http://schemas.openxmlformats.org/markup-compatibility/2006" xmlns:p14="http://schemas.microsoft.com/office/powerpoint/2010/main">
+    <mc:Choice Requires="p14">
       <p:transition spd="med" p14:dur="700">
         <p:fade/>
       </p:transition>
     </mc:Choice>
-    <mc:Fallback>
+    <mc:Fallback xmlns="">
       <p:transition spd="med">
         <p:fade/>
       </p:transition>
@@ -21148,87 +21158,146 @@
             <p:ph type="body" sz="quarter" idx="10"/>
           </p:nvPr>
         </p:nvSpPr>
-        <p:spPr/>
+        <p:spPr>
+          <a:xfrm>
+            <a:off x="588263" y="1436688"/>
+            <a:ext cx="11018520" cy="5084469"/>
+          </a:xfrm>
+        </p:spPr>
         <p:txBody>
           <a:bodyPr/>
           <a:lstStyle/>
           <a:p>
             <a:r>
-              <a:rPr lang="en-US" dirty="0"/>
+              <a:rPr lang="en-US" dirty="0">
+                <a:latin typeface="Cascadia Code PL" panose="020B0609020000020004" pitchFamily="49" charset="0"/>
+                <a:cs typeface="Cascadia Code PL" panose="020B0609020000020004" pitchFamily="49" charset="0"/>
+              </a:rPr>
               <a:t>dotnet add package </a:t>
             </a:r>
             <a:r>
-              <a:rPr lang="en-US" dirty="0" err="1"/>
+              <a:rPr lang="en-US" dirty="0" err="1">
+                <a:latin typeface="Cascadia Code PL" panose="020B0609020000020004" pitchFamily="49" charset="0"/>
+                <a:cs typeface="Cascadia Code PL" panose="020B0609020000020004" pitchFamily="49" charset="0"/>
+              </a:rPr>
               <a:t>coverlet.collector</a:t>
             </a:r>
-            <a:endParaRPr lang="en-US" dirty="0"/>
-          </a:p>
-          <a:p>
-            <a:r>
-              <a:rPr lang="en-US" dirty="0"/>
+            <a:endParaRPr lang="en-US" dirty="0">
+              <a:latin typeface="Cascadia Code PL" panose="020B0609020000020004" pitchFamily="49" charset="0"/>
+              <a:cs typeface="Cascadia Code PL" panose="020B0609020000020004" pitchFamily="49" charset="0"/>
+            </a:endParaRPr>
+          </a:p>
+          <a:p>
+            <a:r>
+              <a:rPr lang="en-US" dirty="0">
+                <a:latin typeface="Cascadia Code PL" panose="020B0609020000020004" pitchFamily="49" charset="0"/>
+                <a:cs typeface="Cascadia Code PL" panose="020B0609020000020004" pitchFamily="49" charset="0"/>
+              </a:rPr>
               <a:t>dotnet add package </a:t>
             </a:r>
             <a:r>
-              <a:rPr lang="en-US" dirty="0" err="1"/>
+              <a:rPr lang="en-US" dirty="0" err="1">
+                <a:latin typeface="Cascadia Code PL" panose="020B0609020000020004" pitchFamily="49" charset="0"/>
+                <a:cs typeface="Cascadia Code PL" panose="020B0609020000020004" pitchFamily="49" charset="0"/>
+              </a:rPr>
               <a:t>coverlet.msbuild</a:t>
             </a:r>
-            <a:endParaRPr lang="en-US" dirty="0"/>
-          </a:p>
-          <a:p>
-            <a:endParaRPr lang="en-US" dirty="0"/>
-          </a:p>
-          <a:p>
-            <a:r>
-              <a:rPr lang="en-US" dirty="0"/>
+            <a:endParaRPr lang="en-US" dirty="0">
+              <a:latin typeface="Cascadia Code PL" panose="020B0609020000020004" pitchFamily="49" charset="0"/>
+              <a:cs typeface="Cascadia Code PL" panose="020B0609020000020004" pitchFamily="49" charset="0"/>
+            </a:endParaRPr>
+          </a:p>
+          <a:p>
+            <a:endParaRPr lang="en-US" dirty="0">
+              <a:latin typeface="Cascadia Code PL" panose="020B0609020000020004" pitchFamily="49" charset="0"/>
+              <a:cs typeface="Cascadia Code PL" panose="020B0609020000020004" pitchFamily="49" charset="0"/>
+            </a:endParaRPr>
+          </a:p>
+          <a:p>
+            <a:r>
+              <a:rPr lang="en-US" dirty="0">
+                <a:latin typeface="Cascadia Code PL" panose="020B0609020000020004" pitchFamily="49" charset="0"/>
+                <a:cs typeface="Cascadia Code PL" panose="020B0609020000020004" pitchFamily="49" charset="0"/>
+              </a:rPr>
               <a:t>dotnet test /</a:t>
             </a:r>
             <a:r>
-              <a:rPr lang="en-US" dirty="0" err="1"/>
+              <a:rPr lang="en-US" dirty="0" err="1">
+                <a:latin typeface="Cascadia Code PL" panose="020B0609020000020004" pitchFamily="49" charset="0"/>
+                <a:cs typeface="Cascadia Code PL" panose="020B0609020000020004" pitchFamily="49" charset="0"/>
+              </a:rPr>
               <a:t>p:CollectCoverage</a:t>
             </a:r>
             <a:r>
-              <a:rPr lang="en-US" dirty="0"/>
+              <a:rPr lang="en-US" dirty="0">
+                <a:latin typeface="Cascadia Code PL" panose="020B0609020000020004" pitchFamily="49" charset="0"/>
+                <a:cs typeface="Cascadia Code PL" panose="020B0609020000020004" pitchFamily="49" charset="0"/>
+              </a:rPr>
               <a:t>=true</a:t>
             </a:r>
           </a:p>
           <a:p>
-            <a:endParaRPr lang="en-US" dirty="0"/>
-          </a:p>
-          <a:p>
-            <a:r>
-              <a:rPr lang="en-US" dirty="0"/>
+            <a:endParaRPr lang="en-US" dirty="0">
+              <a:latin typeface="Cascadia Code PL" panose="020B0609020000020004" pitchFamily="49" charset="0"/>
+              <a:cs typeface="Cascadia Code PL" panose="020B0609020000020004" pitchFamily="49" charset="0"/>
+            </a:endParaRPr>
+          </a:p>
+          <a:p>
+            <a:r>
+              <a:rPr lang="en-US" dirty="0">
+                <a:latin typeface="Cascadia Code PL" panose="020B0609020000020004" pitchFamily="49" charset="0"/>
+                <a:cs typeface="Cascadia Code PL" panose="020B0609020000020004" pitchFamily="49" charset="0"/>
+              </a:rPr>
               <a:t>+-----------------------+------+--------+--------+</a:t>
             </a:r>
           </a:p>
           <a:p>
             <a:r>
-              <a:rPr lang="en-US" dirty="0"/>
+              <a:rPr lang="en-US" dirty="0">
+                <a:latin typeface="Cascadia Code PL" panose="020B0609020000020004" pitchFamily="49" charset="0"/>
+                <a:cs typeface="Cascadia Code PL" panose="020B0609020000020004" pitchFamily="49" charset="0"/>
+              </a:rPr>
               <a:t>| Module                | Line | Branch | Method |</a:t>
             </a:r>
           </a:p>
           <a:p>
             <a:r>
-              <a:rPr lang="en-US" dirty="0"/>
+              <a:rPr lang="en-US" dirty="0">
+                <a:latin typeface="Cascadia Code PL" panose="020B0609020000020004" pitchFamily="49" charset="0"/>
+                <a:cs typeface="Cascadia Code PL" panose="020B0609020000020004" pitchFamily="49" charset="0"/>
+              </a:rPr>
               <a:t>+-----------------------+------+--------+--------+</a:t>
             </a:r>
           </a:p>
           <a:p>
             <a:r>
-              <a:rPr lang="en-US" dirty="0"/>
+              <a:rPr lang="en-US" dirty="0">
+                <a:latin typeface="Cascadia Code PL" panose="020B0609020000020004" pitchFamily="49" charset="0"/>
+                <a:cs typeface="Cascadia Code PL" panose="020B0609020000020004" pitchFamily="49" charset="0"/>
+              </a:rPr>
               <a:t>| </a:t>
             </a:r>
             <a:r>
-              <a:rPr lang="en-US" dirty="0" err="1"/>
+              <a:rPr lang="en-US" dirty="0" err="1">
+                <a:latin typeface="Cascadia Code PL" panose="020B0609020000020004" pitchFamily="49" charset="0"/>
+                <a:cs typeface="Cascadia Code PL" panose="020B0609020000020004" pitchFamily="49" charset="0"/>
+              </a:rPr>
               <a:t>GildedRose</a:t>
             </a:r>
             <a:r>
-              <a:rPr lang="en-US" dirty="0"/>
+              <a:rPr lang="en-US" dirty="0">
+                <a:latin typeface="Cascadia Code PL" panose="020B0609020000020004" pitchFamily="49" charset="0"/>
+                <a:cs typeface="Cascadia Code PL" panose="020B0609020000020004" pitchFamily="49" charset="0"/>
+              </a:rPr>
               <a:t>            | 0%   | 0%     | 0%     |</a:t>
             </a:r>
           </a:p>
           <a:p>
             <a:r>
-              <a:rPr lang="en-US" dirty="0"/>
+              <a:rPr lang="en-US" dirty="0">
+                <a:latin typeface="Cascadia Code PL" panose="020B0609020000020004" pitchFamily="49" charset="0"/>
+                <a:cs typeface="Cascadia Code PL" panose="020B0609020000020004" pitchFamily="49" charset="0"/>
+              </a:rPr>
               <a:t>+-----------------------+------+--------+--------+</a:t>
             </a:r>
           </a:p>
